--- a/entity2rec/entity2rec.pptx
+++ b/entity2rec/entity2rec.pptx
@@ -3859,6 +3859,10 @@
           </a:p>
           <a:p>
             <a:pPr lvl="1"/>
+            <a:endParaRPr lang="en-CA" altLang="ja-JP" dirty="0"/>
+          </a:p>
+          <a:p>
+            <a:pPr lvl="1"/>
             <a:r>
               <a:rPr lang="ja-JP" altLang="en-CA"/>
               <a:t>这一步</a:t>
@@ -3947,7 +3951,127 @@
               <a:rPr lang="ja-JP" altLang="en-US"/>
               <a:t>这种方法比矩阵降纬更有用</a:t>
             </a:r>
-            <a:endParaRPr lang="en-CA" altLang="ja-JP"/>
+            <a:endParaRPr lang="en-CA" altLang="ja-JP" dirty="0"/>
+          </a:p>
+          <a:p>
+            <a:pPr lvl="1"/>
+            <a:endParaRPr lang="en-US" altLang="ja-JP" dirty="0"/>
+          </a:p>
+          <a:p>
+            <a:pPr lvl="1"/>
+            <a:r>
+              <a:rPr lang="en-US" altLang="ja-JP" dirty="0" err="1"/>
+              <a:t>Deepwalk</a:t>
+            </a:r>
+            <a:r>
+              <a:rPr lang="ja-JP" altLang="en-US"/>
+              <a:t>中</a:t>
+            </a:r>
+            <a:r>
+              <a:rPr lang="zh-CN" altLang="en-US" dirty="0"/>
+              <a:t>，</a:t>
+            </a:r>
+            <a:r>
+              <a:rPr lang="ja-JP" altLang="en-US"/>
+              <a:t>通过模拟在图上走随机的步数来学习</a:t>
+            </a:r>
+            <a:r>
+              <a:rPr lang="en-US" altLang="ja-JP" dirty="0"/>
+              <a:t>node</a:t>
+            </a:r>
+            <a:r>
+              <a:rPr lang="zh-CN" altLang="en-US" dirty="0"/>
+              <a:t> </a:t>
+            </a:r>
+            <a:r>
+              <a:rPr lang="en-US" altLang="zh-CN" dirty="0"/>
+              <a:t>representation</a:t>
+            </a:r>
+            <a:r>
+              <a:rPr lang="zh-CN" altLang="en-US" dirty="0"/>
+              <a:t>，</a:t>
+            </a:r>
+            <a:endParaRPr lang="en-CA" altLang="ja-JP" dirty="0"/>
+          </a:p>
+          <a:p>
+            <a:pPr lvl="1"/>
+            <a:endParaRPr lang="en-CA" altLang="ja-JP" dirty="0"/>
+          </a:p>
+          <a:p>
+            <a:pPr lvl="1"/>
+            <a:r>
+              <a:rPr lang="ja-JP" altLang="en-CA"/>
+              <a:t>在</a:t>
+            </a:r>
+            <a:r>
+              <a:rPr lang="ja-JP" altLang="en-US"/>
+              <a:t>第</a:t>
+            </a:r>
+            <a:r>
+              <a:rPr lang="en-US" altLang="zh-CN" dirty="0"/>
+              <a:t>11</a:t>
+            </a:r>
+            <a:r>
+              <a:rPr lang="ja-JP" altLang="en-US"/>
+              <a:t>个文章中</a:t>
+            </a:r>
+            <a:r>
+              <a:rPr lang="zh-CN" altLang="en-US" dirty="0"/>
+              <a:t>，</a:t>
+            </a:r>
+            <a:r>
+              <a:rPr lang="ja-JP" altLang="en-US"/>
+              <a:t>作者提出了</a:t>
+            </a:r>
+            <a:r>
+              <a:rPr lang="en-US" altLang="ja-JP" dirty="0"/>
+              <a:t>node</a:t>
+            </a:r>
+            <a:r>
+              <a:rPr lang="en-US" altLang="zh-CN" dirty="0"/>
+              <a:t>2vec</a:t>
+            </a:r>
+            <a:r>
+              <a:rPr lang="zh-CN" altLang="en-US" dirty="0"/>
+              <a:t>，</a:t>
+            </a:r>
+            <a:r>
+              <a:rPr lang="ja-JP" altLang="en-US"/>
+              <a:t>基于</a:t>
+            </a:r>
+            <a:r>
+              <a:rPr lang="en-US" altLang="ja-JP"/>
+              <a:t>Deepwalk</a:t>
+            </a:r>
+            <a:r>
+              <a:rPr lang="ja-JP" altLang="en-US"/>
+              <a:t>有一些提升</a:t>
+            </a:r>
+            <a:r>
+              <a:rPr lang="zh-CN" altLang="en-US" dirty="0"/>
+              <a:t>，</a:t>
+            </a:r>
+            <a:r>
+              <a:rPr lang="ja-JP" altLang="en-US"/>
+              <a:t>因为它采用了更灵活和复杂的</a:t>
+            </a:r>
+            <a:r>
+              <a:rPr lang="en-US" altLang="ja-JP" dirty="0"/>
+              <a:t>random</a:t>
+            </a:r>
+            <a:r>
+              <a:rPr lang="zh-CN" altLang="en-US" dirty="0"/>
+              <a:t> </a:t>
+            </a:r>
+            <a:r>
+              <a:rPr lang="en-US" altLang="zh-CN" dirty="0"/>
+              <a:t>walk</a:t>
+            </a:r>
+            <a:r>
+              <a:rPr lang="ja-JP" altLang="en-US"/>
+              <a:t>策略。</a:t>
+            </a:r>
+            <a:endParaRPr lang="en-CA" altLang="ja-JP" dirty="0"/>
           </a:p>
         </p:txBody>
       </p:sp>

--- a/entity2rec/entity2rec.pptx
+++ b/entity2rec/entity2rec.pptx
@@ -10,9 +10,11 @@
     <p:sldId id="258" r:id="rId4"/>
     <p:sldId id="259" r:id="rId5"/>
     <p:sldId id="263" r:id="rId6"/>
-    <p:sldId id="260" r:id="rId7"/>
-    <p:sldId id="261" r:id="rId8"/>
-    <p:sldId id="262" r:id="rId9"/>
+    <p:sldId id="264" r:id="rId7"/>
+    <p:sldId id="260" r:id="rId8"/>
+    <p:sldId id="265" r:id="rId9"/>
+    <p:sldId id="266" r:id="rId10"/>
+    <p:sldId id="267" r:id="rId11"/>
   </p:sldIdLst>
   <p:sldSz cx="12192000" cy="6858000"/>
   <p:notesSz cx="6858000" cy="9144000"/>
@@ -3030,6 +3032,201 @@
 </p:sld>
 </file>
 
+<file path=ppt/slides/slide10.xml><?xml version="1.0" encoding="utf-8"?>
+<p:sld xmlns:a="http://schemas.openxmlformats.org/drawingml/2006/main" xmlns:r="http://schemas.openxmlformats.org/officeDocument/2006/relationships" xmlns:p="http://schemas.openxmlformats.org/presentationml/2006/main">
+  <p:cSld>
+    <p:spTree>
+      <p:nvGrpSpPr>
+        <p:cNvPr id="1" name=""/>
+        <p:cNvGrpSpPr/>
+        <p:nvPr/>
+      </p:nvGrpSpPr>
+      <p:grpSpPr>
+        <a:xfrm>
+          <a:off x="0" y="0"/>
+          <a:ext cx="0" cy="0"/>
+          <a:chOff x="0" y="0"/>
+          <a:chExt cx="0" cy="0"/>
+        </a:xfrm>
+      </p:grpSpPr>
+      <p:sp>
+        <p:nvSpPr>
+          <p:cNvPr id="2" name="Title 1">
+            <a:extLst>
+              <a:ext uri="{FF2B5EF4-FFF2-40B4-BE49-F238E27FC236}">
+                <a16:creationId xmlns:a16="http://schemas.microsoft.com/office/drawing/2014/main" id="{FA9C6017-9270-AB46-862F-EC6EA967F447}"/>
+              </a:ext>
+            </a:extLst>
+          </p:cNvPr>
+          <p:cNvSpPr>
+            <a:spLocks noGrp="1"/>
+          </p:cNvSpPr>
+          <p:nvPr>
+            <p:ph type="title"/>
+          </p:nvPr>
+        </p:nvSpPr>
+        <p:spPr/>
+        <p:txBody>
+          <a:bodyPr/>
+          <a:lstStyle/>
+          <a:p>
+            <a:r>
+              <a:rPr lang="en-US" altLang="zh-CN" dirty="0"/>
+              <a:t>3.</a:t>
+            </a:r>
+            <a:r>
+              <a:rPr lang="zh-CN" altLang="en-US" dirty="0"/>
+              <a:t> </a:t>
+            </a:r>
+            <a:r>
+              <a:rPr lang="en-US" altLang="zh-CN" dirty="0"/>
+              <a:t>Approach</a:t>
+            </a:r>
+            <a:endParaRPr lang="en-US" dirty="0"/>
+          </a:p>
+        </p:txBody>
+      </p:sp>
+      <p:sp>
+        <p:nvSpPr>
+          <p:cNvPr id="3" name="Content Placeholder 2">
+            <a:extLst>
+              <a:ext uri="{FF2B5EF4-FFF2-40B4-BE49-F238E27FC236}">
+                <a16:creationId xmlns:a16="http://schemas.microsoft.com/office/drawing/2014/main" id="{DD3E1039-3369-474B-8021-D99013174B8F}"/>
+              </a:ext>
+            </a:extLst>
+          </p:cNvPr>
+          <p:cNvSpPr>
+            <a:spLocks noGrp="1"/>
+          </p:cNvSpPr>
+          <p:nvPr>
+            <p:ph idx="1"/>
+          </p:nvPr>
+        </p:nvSpPr>
+        <p:spPr/>
+        <p:txBody>
+          <a:bodyPr/>
+          <a:lstStyle/>
+          <a:p>
+            <a:r>
+              <a:rPr lang="en-CA" dirty="0"/>
+              <a:t>Training data:</a:t>
+            </a:r>
+          </a:p>
+          <a:p>
+            <a:pPr lvl="1"/>
+            <a:r>
+              <a:rPr lang="ja-JP" altLang="en-US"/>
+              <a:t>给一系列的</a:t>
+            </a:r>
+            <a:r>
+              <a:rPr lang="en-US" altLang="ja-JP" dirty="0"/>
+              <a:t>user</a:t>
+            </a:r>
+            <a:r>
+              <a:rPr lang="zh-CN" altLang="en-US" dirty="0"/>
+              <a:t>，</a:t>
+            </a:r>
+            <a:r>
+              <a:rPr lang="ja-JP" altLang="en-US"/>
+              <a:t>每个</a:t>
+            </a:r>
+            <a:r>
+              <a:rPr lang="en-US" altLang="ja-JP" dirty="0"/>
+              <a:t>user</a:t>
+            </a:r>
+            <a:r>
+              <a:rPr lang="ja-JP" altLang="en-US"/>
+              <a:t>都关联一系列的</a:t>
+            </a:r>
+            <a:r>
+              <a:rPr lang="en-US" altLang="ja-JP" dirty="0"/>
+              <a:t>feedback</a:t>
+            </a:r>
+            <a:r>
+              <a:rPr lang="ja-JP" altLang="en-US"/>
+              <a:t>数据</a:t>
+            </a:r>
+            <a:endParaRPr lang="en-CA" dirty="0"/>
+          </a:p>
+          <a:p>
+            <a:r>
+              <a:rPr lang="en-CA" dirty="0"/>
+              <a:t>Ranking</a:t>
+            </a:r>
+            <a:r>
+              <a:rPr lang="zh-CN" altLang="en-US" dirty="0"/>
+              <a:t> </a:t>
+            </a:r>
+            <a:r>
+              <a:rPr lang="en-US" altLang="zh-CN" dirty="0"/>
+              <a:t>function</a:t>
+            </a:r>
+            <a:r>
+              <a:rPr lang="en-CA" altLang="zh-CN" dirty="0"/>
+              <a:t>:</a:t>
+            </a:r>
+          </a:p>
+          <a:p>
+            <a:pPr lvl="1"/>
+            <a:r>
+              <a:rPr lang="ja-JP" altLang="en-US"/>
+              <a:t>对每个用户</a:t>
+            </a:r>
+            <a:r>
+              <a:rPr lang="zh-CN" altLang="en-US" dirty="0"/>
+              <a:t>，</a:t>
+            </a:r>
+            <a:r>
+              <a:rPr lang="ja-JP" altLang="en-US"/>
+              <a:t>相符的</a:t>
+            </a:r>
+            <a:r>
+              <a:rPr lang="en-US" altLang="ja-JP" dirty="0"/>
+              <a:t>items</a:t>
+            </a:r>
+            <a:r>
+              <a:rPr lang="ja-JP" altLang="en-US"/>
+              <a:t>根据得分进行排序</a:t>
+            </a:r>
+            <a:endParaRPr lang="en-CA" dirty="0"/>
+          </a:p>
+          <a:p>
+            <a:r>
+              <a:rPr lang="en-CA" dirty="0"/>
+              <a:t>Optimization:</a:t>
+            </a:r>
+          </a:p>
+          <a:p>
+            <a:pPr lvl="1"/>
+            <a:r>
+              <a:rPr lang="ja-JP" altLang="en-US"/>
+              <a:t>学习过程的目标是在训练数据上找到使损失函数</a:t>
+            </a:r>
+            <a:r>
+              <a:rPr lang="en-CA" dirty="0"/>
+              <a:t>C</a:t>
+            </a:r>
+            <a:r>
+              <a:rPr lang="ja-JP" altLang="en-US"/>
+              <a:t>最小化的参数集</a:t>
+            </a:r>
+            <a:endParaRPr lang="en-CA" dirty="0"/>
+          </a:p>
+        </p:txBody>
+      </p:sp>
+    </p:spTree>
+    <p:extLst>
+      <p:ext uri="{BB962C8B-B14F-4D97-AF65-F5344CB8AC3E}">
+        <p14:creationId xmlns:p14="http://schemas.microsoft.com/office/powerpoint/2010/main" val="2052199993"/>
+      </p:ext>
+    </p:extLst>
+  </p:cSld>
+  <p:clrMapOvr>
+    <a:masterClrMapping/>
+  </p:clrMapOvr>
+</p:sld>
+</file>
+
 <file path=ppt/slides/slide2.xml><?xml version="1.0" encoding="utf-8"?>
 <p:sld xmlns:a="http://schemas.openxmlformats.org/drawingml/2006/main" xmlns:r="http://schemas.openxmlformats.org/officeDocument/2006/relationships" xmlns:p="http://schemas.openxmlformats.org/presentationml/2006/main">
   <p:cSld>
@@ -4040,7 +4237,7 @@
               <a:t>基于</a:t>
             </a:r>
             <a:r>
-              <a:rPr lang="en-US" altLang="ja-JP"/>
+              <a:rPr lang="en-US" altLang="ja-JP" dirty="0" err="1"/>
               <a:t>Deepwalk</a:t>
             </a:r>
             <a:r>
@@ -4110,7 +4307,7 @@
           <p:cNvPr id="2" name="Title 1">
             <a:extLst>
               <a:ext uri="{FF2B5EF4-FFF2-40B4-BE49-F238E27FC236}">
-                <a16:creationId xmlns:a16="http://schemas.microsoft.com/office/drawing/2014/main" id="{FA9C6017-9270-AB46-862F-EC6EA967F447}"/>
+                <a16:creationId xmlns:a16="http://schemas.microsoft.com/office/drawing/2014/main" id="{83004C82-573D-5849-9C65-106081F35434}"/>
               </a:ext>
             </a:extLst>
           </p:cNvPr>
@@ -4126,7 +4323,27 @@
           <a:bodyPr/>
           <a:lstStyle/>
           <a:p>
-            <a:endParaRPr lang="en-US"/>
+            <a:r>
+              <a:rPr lang="en-US" altLang="zh-CN" dirty="0"/>
+              <a:t>2.</a:t>
+            </a:r>
+            <a:r>
+              <a:rPr lang="zh-CN" altLang="en-US" dirty="0"/>
+              <a:t> </a:t>
+            </a:r>
+            <a:r>
+              <a:rPr lang="en-US" altLang="zh-CN" dirty="0"/>
+              <a:t>Related</a:t>
+            </a:r>
+            <a:r>
+              <a:rPr lang="zh-CN" altLang="en-US" dirty="0"/>
+              <a:t> </a:t>
+            </a:r>
+            <a:r>
+              <a:rPr lang="en-US" altLang="zh-CN" dirty="0"/>
+              <a:t>work</a:t>
+            </a:r>
+            <a:endParaRPr lang="en-US" dirty="0"/>
           </a:p>
         </p:txBody>
       </p:sp>
@@ -4135,7 +4352,7 @@
           <p:cNvPr id="3" name="Content Placeholder 2">
             <a:extLst>
               <a:ext uri="{FF2B5EF4-FFF2-40B4-BE49-F238E27FC236}">
-                <a16:creationId xmlns:a16="http://schemas.microsoft.com/office/drawing/2014/main" id="{DD3E1039-3369-474B-8021-D99013174B8F}"/>
+                <a16:creationId xmlns:a16="http://schemas.microsoft.com/office/drawing/2014/main" id="{73F7B5F2-F0BE-1840-BAF3-180F5666BA9D}"/>
               </a:ext>
             </a:extLst>
           </p:cNvPr>
@@ -4151,14 +4368,77 @@
           <a:bodyPr/>
           <a:lstStyle/>
           <a:p>
-            <a:endParaRPr lang="en-US"/>
+            <a:r>
+              <a:rPr lang="en-US" altLang="zh-CN" dirty="0"/>
+              <a:t>3.</a:t>
+            </a:r>
+            <a:r>
+              <a:rPr lang="zh-CN" altLang="en-US" dirty="0"/>
+              <a:t> </a:t>
+            </a:r>
+            <a:r>
+              <a:rPr lang="en-CA" dirty="0"/>
+              <a:t>Learning</a:t>
+            </a:r>
+            <a:r>
+              <a:rPr lang="zh-CN" altLang="en-US" dirty="0"/>
+              <a:t> </a:t>
+            </a:r>
+            <a:r>
+              <a:rPr lang="en-US" altLang="zh-CN" dirty="0"/>
+              <a:t>to</a:t>
+            </a:r>
+            <a:r>
+              <a:rPr lang="zh-CN" altLang="en-US" dirty="0"/>
+              <a:t> </a:t>
+            </a:r>
+            <a:r>
+              <a:rPr lang="en-US" altLang="zh-CN" dirty="0"/>
+              <a:t>rank</a:t>
+            </a:r>
+          </a:p>
+          <a:p>
+            <a:pPr lvl="1"/>
+            <a:r>
+              <a:rPr lang="ja-JP" altLang="en-US"/>
+              <a:t>通过机器学习跑</a:t>
+            </a:r>
+            <a:r>
+              <a:rPr lang="en-US" altLang="ja-JP" dirty="0"/>
+              <a:t>training</a:t>
+            </a:r>
+            <a:r>
+              <a:rPr lang="zh-CN" altLang="en-US" dirty="0"/>
+              <a:t> </a:t>
+            </a:r>
+            <a:r>
+              <a:rPr lang="en-US" altLang="zh-CN" dirty="0"/>
+              <a:t>data</a:t>
+            </a:r>
+            <a:r>
+              <a:rPr lang="ja-JP" altLang="en-US"/>
+              <a:t>来训练</a:t>
+            </a:r>
+            <a:r>
+              <a:rPr lang="en-US" altLang="ja-JP" dirty="0"/>
+              <a:t>ranking</a:t>
+            </a:r>
+            <a:r>
+              <a:rPr lang="zh-CN" altLang="en-US" dirty="0"/>
+              <a:t> </a:t>
+            </a:r>
+            <a:r>
+              <a:rPr lang="en-US" altLang="zh-CN" dirty="0"/>
+              <a:t>function</a:t>
+            </a:r>
+            <a:endParaRPr lang="en-CA" dirty="0"/>
           </a:p>
         </p:txBody>
       </p:sp>
     </p:spTree>
     <p:extLst>
       <p:ext uri="{BB962C8B-B14F-4D97-AF65-F5344CB8AC3E}">
-        <p14:creationId xmlns:p14="http://schemas.microsoft.com/office/powerpoint/2010/main" val="4144078065"/>
+        <p14:creationId xmlns:p14="http://schemas.microsoft.com/office/powerpoint/2010/main" val="2782737522"/>
       </p:ext>
     </p:extLst>
   </p:cSld>
@@ -4190,7 +4470,7 @@
           <p:cNvPr id="2" name="Title 1">
             <a:extLst>
               <a:ext uri="{FF2B5EF4-FFF2-40B4-BE49-F238E27FC236}">
-                <a16:creationId xmlns:a16="http://schemas.microsoft.com/office/drawing/2014/main" id="{F5AABF7F-F4D9-F144-B0F4-1733C0C39C06}"/>
+                <a16:creationId xmlns:a16="http://schemas.microsoft.com/office/drawing/2014/main" id="{FA9C6017-9270-AB46-862F-EC6EA967F447}"/>
               </a:ext>
             </a:extLst>
           </p:cNvPr>
@@ -4206,7 +4486,19 @@
           <a:bodyPr/>
           <a:lstStyle/>
           <a:p>
-            <a:endParaRPr lang="en-US"/>
+            <a:r>
+              <a:rPr lang="en-US" altLang="zh-CN" dirty="0"/>
+              <a:t>3.</a:t>
+            </a:r>
+            <a:r>
+              <a:rPr lang="zh-CN" altLang="en-US" dirty="0"/>
+              <a:t> </a:t>
+            </a:r>
+            <a:r>
+              <a:rPr lang="en-US" altLang="zh-CN" dirty="0"/>
+              <a:t>Approach</a:t>
+            </a:r>
+            <a:endParaRPr lang="en-US" dirty="0"/>
           </a:p>
         </p:txBody>
       </p:sp>
@@ -4215,7 +4507,7 @@
           <p:cNvPr id="3" name="Content Placeholder 2">
             <a:extLst>
               <a:ext uri="{FF2B5EF4-FFF2-40B4-BE49-F238E27FC236}">
-                <a16:creationId xmlns:a16="http://schemas.microsoft.com/office/drawing/2014/main" id="{73BB6EB7-DCF7-654E-8D5D-2A5CF4F75AA9}"/>
+                <a16:creationId xmlns:a16="http://schemas.microsoft.com/office/drawing/2014/main" id="{DD3E1039-3369-474B-8021-D99013174B8F}"/>
               </a:ext>
             </a:extLst>
           </p:cNvPr>
@@ -4231,14 +4523,135 @@
           <a:bodyPr/>
           <a:lstStyle/>
           <a:p>
-            <a:endParaRPr lang="en-US"/>
+            <a:r>
+              <a:rPr lang="en-US" dirty="0"/>
+              <a:t>1. Knowledge graph</a:t>
+            </a:r>
+          </a:p>
+          <a:p>
+            <a:pPr lvl="1"/>
+            <a:r>
+              <a:rPr lang="en-US" dirty="0"/>
+              <a:t> </a:t>
+            </a:r>
+            <a:r>
+              <a:rPr lang="ja-JP" altLang="en-US"/>
+              <a:t>知识图谱就是一系列的</a:t>
+            </a:r>
+            <a:r>
+              <a:rPr lang="zh-CN" altLang="en-US" dirty="0"/>
+              <a:t> </a:t>
+            </a:r>
+            <a:r>
+              <a:rPr lang="en-US" dirty="0"/>
+              <a:t>K = (E, R, O)</a:t>
+            </a:r>
+          </a:p>
+          <a:p>
+            <a:pPr lvl="1"/>
+            <a:r>
+              <a:rPr lang="en-US" dirty="0"/>
+              <a:t>E</a:t>
+            </a:r>
+            <a:r>
+              <a:rPr lang="ja-JP" altLang="en-US"/>
+              <a:t>是一系列的</a:t>
+            </a:r>
+            <a:r>
+              <a:rPr lang="en-US" altLang="ja-JP" dirty="0"/>
+              <a:t>entities</a:t>
+            </a:r>
+            <a:r>
+              <a:rPr lang="zh-CN" altLang="en-US" dirty="0"/>
+              <a:t>，</a:t>
+            </a:r>
+            <a:r>
+              <a:rPr lang="en-CA" altLang="zh-CN" dirty="0"/>
+              <a:t>O</a:t>
+            </a:r>
+            <a:r>
+              <a:rPr lang="ja-JP" altLang="en-CA"/>
+              <a:t>是</a:t>
+            </a:r>
+            <a:r>
+              <a:rPr lang="en-US" altLang="ja-JP" dirty="0"/>
+              <a:t>ontology</a:t>
+            </a:r>
+            <a:r>
+              <a:rPr lang="zh-CN" altLang="en-US" dirty="0"/>
+              <a:t>，</a:t>
+            </a:r>
+            <a:r>
+              <a:rPr lang="en-US" altLang="zh-CN" dirty="0"/>
+              <a:t>R</a:t>
+            </a:r>
+            <a:r>
+              <a:rPr lang="ja-JP" altLang="en-US"/>
+              <a:t>是</a:t>
+            </a:r>
+            <a:r>
+              <a:rPr lang="en-US" altLang="ja-JP" dirty="0"/>
+              <a:t>relations</a:t>
+            </a:r>
+            <a:r>
+              <a:rPr lang="zh-CN" altLang="en-US" dirty="0"/>
+              <a:t> </a:t>
+            </a:r>
+            <a:r>
+              <a:rPr lang="en-US" altLang="zh-CN" dirty="0"/>
+              <a:t>between</a:t>
+            </a:r>
+            <a:r>
+              <a:rPr lang="zh-CN" altLang="en-US" dirty="0"/>
+              <a:t> </a:t>
+            </a:r>
+            <a:r>
+              <a:rPr lang="en-US" altLang="zh-CN" dirty="0"/>
+              <a:t>E</a:t>
+            </a:r>
+            <a:r>
+              <a:rPr lang="zh-CN" altLang="en-US" dirty="0"/>
+              <a:t> </a:t>
+            </a:r>
+            <a:r>
+              <a:rPr lang="en-CA" altLang="zh-CN" dirty="0"/>
+              <a:t>and O.</a:t>
+            </a:r>
+          </a:p>
+          <a:p>
+            <a:pPr lvl="1"/>
+            <a:r>
+              <a:rPr lang="en-CA" dirty="0"/>
+              <a:t>O</a:t>
+            </a:r>
+            <a:r>
+              <a:rPr lang="ja-JP" altLang="en-CA"/>
+              <a:t>定义</a:t>
+            </a:r>
+            <a:r>
+              <a:rPr lang="ja-JP" altLang="en-US"/>
+              <a:t>了一系列的</a:t>
+            </a:r>
+            <a:r>
+              <a:rPr lang="en-US" altLang="ja-JP" dirty="0"/>
+              <a:t>relation</a:t>
+            </a:r>
+            <a:r>
+              <a:rPr lang="zh-CN" altLang="en-US" dirty="0"/>
+              <a:t> </a:t>
+            </a:r>
+            <a:r>
+              <a:rPr lang="en-US" altLang="zh-CN" dirty="0"/>
+              <a:t>types</a:t>
+            </a:r>
+            <a:endParaRPr lang="en-US" dirty="0"/>
           </a:p>
         </p:txBody>
       </p:sp>
     </p:spTree>
     <p:extLst>
       <p:ext uri="{BB962C8B-B14F-4D97-AF65-F5344CB8AC3E}">
-        <p14:creationId xmlns:p14="http://schemas.microsoft.com/office/powerpoint/2010/main" val="499876635"/>
+        <p14:creationId xmlns:p14="http://schemas.microsoft.com/office/powerpoint/2010/main" val="4144078065"/>
       </p:ext>
     </p:extLst>
   </p:cSld>
@@ -4270,7 +4683,7 @@
           <p:cNvPr id="2" name="Title 1">
             <a:extLst>
               <a:ext uri="{FF2B5EF4-FFF2-40B4-BE49-F238E27FC236}">
-                <a16:creationId xmlns:a16="http://schemas.microsoft.com/office/drawing/2014/main" id="{3E5A4DBF-D5F9-314C-8A67-8D9994EA7292}"/>
+                <a16:creationId xmlns:a16="http://schemas.microsoft.com/office/drawing/2014/main" id="{FA9C6017-9270-AB46-862F-EC6EA967F447}"/>
               </a:ext>
             </a:extLst>
           </p:cNvPr>
@@ -4286,7 +4699,19 @@
           <a:bodyPr/>
           <a:lstStyle/>
           <a:p>
-            <a:endParaRPr lang="en-US"/>
+            <a:r>
+              <a:rPr lang="en-US" altLang="zh-CN" dirty="0"/>
+              <a:t>3.</a:t>
+            </a:r>
+            <a:r>
+              <a:rPr lang="zh-CN" altLang="en-US" dirty="0"/>
+              <a:t> </a:t>
+            </a:r>
+            <a:r>
+              <a:rPr lang="en-US" altLang="zh-CN" dirty="0"/>
+              <a:t>Approach</a:t>
+            </a:r>
+            <a:endParaRPr lang="en-US" dirty="0"/>
           </a:p>
         </p:txBody>
       </p:sp>
@@ -4295,7 +4720,7 @@
           <p:cNvPr id="3" name="Content Placeholder 2">
             <a:extLst>
               <a:ext uri="{FF2B5EF4-FFF2-40B4-BE49-F238E27FC236}">
-                <a16:creationId xmlns:a16="http://schemas.microsoft.com/office/drawing/2014/main" id="{C317C239-A592-FB4E-94AE-9D872EB78DEF}"/>
+                <a16:creationId xmlns:a16="http://schemas.microsoft.com/office/drawing/2014/main" id="{DD3E1039-3369-474B-8021-D99013174B8F}"/>
               </a:ext>
             </a:extLst>
           </p:cNvPr>
@@ -4311,14 +4736,337 @@
           <a:bodyPr/>
           <a:lstStyle/>
           <a:p>
-            <a:endParaRPr lang="en-US"/>
+            <a:r>
+              <a:rPr lang="en-US" altLang="zh-CN" dirty="0"/>
+              <a:t>2</a:t>
+            </a:r>
+            <a:r>
+              <a:rPr lang="en-US" dirty="0"/>
+              <a:t>. </a:t>
+            </a:r>
+            <a:r>
+              <a:rPr lang="en-CA" dirty="0"/>
+              <a:t>Property-specific user-item relatedness</a:t>
+            </a:r>
+            <a:endParaRPr lang="en-US" dirty="0"/>
+          </a:p>
+          <a:p>
+            <a:pPr lvl="1"/>
+            <a:r>
+              <a:rPr lang="ja-JP" altLang="en-US"/>
+              <a:t>在知识图谱中</a:t>
+            </a:r>
+            <a:r>
+              <a:rPr lang="zh-CN" altLang="en-US" dirty="0"/>
+              <a:t>，</a:t>
+            </a:r>
+            <a:r>
+              <a:rPr lang="ja-JP" altLang="en-US"/>
+              <a:t>不同的</a:t>
+            </a:r>
+            <a:r>
+              <a:rPr lang="en-US" altLang="ja-JP" dirty="0"/>
+              <a:t>property</a:t>
+            </a:r>
+            <a:r>
+              <a:rPr lang="ja-JP" altLang="en-US"/>
+              <a:t>有不同的</a:t>
+            </a:r>
+            <a:r>
+              <a:rPr lang="en-US" altLang="ja-JP" dirty="0"/>
+              <a:t>semantic</a:t>
+            </a:r>
+            <a:r>
+              <a:rPr lang="ja-JP" altLang="en-US"/>
+              <a:t>值</a:t>
+            </a:r>
+            <a:r>
+              <a:rPr lang="zh-CN" altLang="en-US" dirty="0"/>
+              <a:t>，</a:t>
+            </a:r>
+            <a:r>
+              <a:rPr lang="ja-JP" altLang="en-US"/>
+              <a:t>也应该有不同的</a:t>
+            </a:r>
+            <a:r>
+              <a:rPr lang="ja-JP" altLang="en-CA"/>
+              <a:t>权重</a:t>
+            </a:r>
+            <a:r>
+              <a:rPr lang="ja-JP" altLang="en-US"/>
+              <a:t>在判断两个</a:t>
+            </a:r>
+            <a:r>
+              <a:rPr lang="en-US" altLang="ja-JP" dirty="0"/>
+              <a:t>entity</a:t>
+            </a:r>
+            <a:r>
+              <a:rPr lang="ja-JP" altLang="en-US"/>
+              <a:t>之间的关系的时候</a:t>
+            </a:r>
+            <a:endParaRPr lang="en-CA" altLang="ja-JP" dirty="0"/>
+          </a:p>
+          <a:p>
+            <a:pPr lvl="1"/>
+            <a:r>
+              <a:rPr lang="ja-JP" altLang="en-US"/>
+              <a:t>电影可以从演员的角度而不是题材的角度进行关联</a:t>
+            </a:r>
+            <a:r>
+              <a:rPr lang="zh-CN" altLang="en-US" dirty="0"/>
+              <a:t>，</a:t>
+            </a:r>
+            <a:r>
+              <a:rPr lang="ja-JP" altLang="en-US"/>
+              <a:t>共享同一个导演而不是一个作者</a:t>
+            </a:r>
+            <a:r>
+              <a:rPr lang="zh-CN" altLang="en-US" dirty="0"/>
+              <a:t>，完全忽略属性的语义来处理知识图是不</a:t>
+            </a:r>
+            <a:r>
+              <a:rPr lang="ja-JP" altLang="en-US"/>
+              <a:t>对</a:t>
+            </a:r>
+            <a:r>
+              <a:rPr lang="zh-CN" altLang="en-US" dirty="0"/>
+              <a:t>的。我们首先学习节点的</a:t>
+            </a:r>
+            <a:r>
+              <a:rPr lang="en-CA" dirty="0"/>
+              <a:t>property-specific vector</a:t>
+            </a:r>
+            <a:r>
+              <a:rPr lang="ja-JP" altLang="en-CA"/>
+              <a:t>在</a:t>
+            </a:r>
+            <a:r>
+              <a:rPr lang="ja-JP" altLang="en-US"/>
+              <a:t>只</a:t>
+            </a:r>
+            <a:r>
+              <a:rPr lang="zh-CN" altLang="en-US" dirty="0"/>
+              <a:t>考虑一个属性</a:t>
+            </a:r>
+            <a:r>
+              <a:rPr lang="ja-JP" altLang="en-US"/>
+              <a:t>的情况下</a:t>
+            </a:r>
+            <a:r>
+              <a:rPr lang="zh-CN" altLang="en-US" dirty="0"/>
+              <a:t>。</a:t>
+            </a:r>
+            <a:r>
+              <a:rPr lang="ja-JP" altLang="en-US"/>
+              <a:t>对每个</a:t>
+            </a:r>
+            <a:r>
+              <a:rPr lang="en-US" altLang="ja-JP" dirty="0"/>
+              <a:t>property</a:t>
+            </a:r>
+            <a:r>
+              <a:rPr lang="zh-CN" altLang="en-US" dirty="0"/>
+              <a:t>，</a:t>
+            </a:r>
+            <a:r>
+              <a:rPr lang="ja-JP" altLang="en-US"/>
+              <a:t>我们定义一个</a:t>
+            </a:r>
+            <a:r>
+              <a:rPr lang="en-US" altLang="ja-JP" dirty="0"/>
+              <a:t>subgraph</a:t>
+            </a:r>
+            <a:r>
+              <a:rPr lang="zh-CN" altLang="en-US" dirty="0"/>
+              <a:t> （</a:t>
+            </a:r>
+            <a:r>
+              <a:rPr lang="en-US" altLang="zh-CN" dirty="0" err="1"/>
+              <a:t>Kp</a:t>
+            </a:r>
+            <a:r>
+              <a:rPr lang="zh-CN" altLang="en-US" dirty="0"/>
+              <a:t>）</a:t>
+            </a:r>
+            <a:r>
+              <a:rPr lang="ja-JP" altLang="en-US"/>
+              <a:t>作为连接</a:t>
+            </a:r>
+            <a:r>
+              <a:rPr lang="en-US" altLang="ja-JP" dirty="0"/>
+              <a:t>property</a:t>
+            </a:r>
+            <a:r>
+              <a:rPr lang="zh-CN" altLang="en-US" dirty="0"/>
+              <a:t> </a:t>
+            </a:r>
+            <a:r>
+              <a:rPr lang="en-US" altLang="zh-CN" dirty="0"/>
+              <a:t>p</a:t>
+            </a:r>
+            <a:r>
+              <a:rPr lang="ja-JP" altLang="en-US"/>
+              <a:t>的一系列三元组</a:t>
+            </a:r>
+            <a:endParaRPr lang="en-US" dirty="0"/>
           </a:p>
         </p:txBody>
       </p:sp>
     </p:spTree>
     <p:extLst>
       <p:ext uri="{BB962C8B-B14F-4D97-AF65-F5344CB8AC3E}">
-        <p14:creationId xmlns:p14="http://schemas.microsoft.com/office/powerpoint/2010/main" val="1484438939"/>
+        <p14:creationId xmlns:p14="http://schemas.microsoft.com/office/powerpoint/2010/main" val="3180658794"/>
+      </p:ext>
+    </p:extLst>
+  </p:cSld>
+  <p:clrMapOvr>
+    <a:masterClrMapping/>
+  </p:clrMapOvr>
+</p:sld>
+</file>
+
+<file path=ppt/slides/slide9.xml><?xml version="1.0" encoding="utf-8"?>
+<p:sld xmlns:a="http://schemas.openxmlformats.org/drawingml/2006/main" xmlns:r="http://schemas.openxmlformats.org/officeDocument/2006/relationships" xmlns:p="http://schemas.openxmlformats.org/presentationml/2006/main">
+  <p:cSld>
+    <p:spTree>
+      <p:nvGrpSpPr>
+        <p:cNvPr id="1" name=""/>
+        <p:cNvGrpSpPr/>
+        <p:nvPr/>
+      </p:nvGrpSpPr>
+      <p:grpSpPr>
+        <a:xfrm>
+          <a:off x="0" y="0"/>
+          <a:ext cx="0" cy="0"/>
+          <a:chOff x="0" y="0"/>
+          <a:chExt cx="0" cy="0"/>
+        </a:xfrm>
+      </p:grpSpPr>
+      <p:sp>
+        <p:nvSpPr>
+          <p:cNvPr id="2" name="Title 1">
+            <a:extLst>
+              <a:ext uri="{FF2B5EF4-FFF2-40B4-BE49-F238E27FC236}">
+                <a16:creationId xmlns:a16="http://schemas.microsoft.com/office/drawing/2014/main" id="{FA9C6017-9270-AB46-862F-EC6EA967F447}"/>
+              </a:ext>
+            </a:extLst>
+          </p:cNvPr>
+          <p:cNvSpPr>
+            <a:spLocks noGrp="1"/>
+          </p:cNvSpPr>
+          <p:nvPr>
+            <p:ph type="title"/>
+          </p:nvPr>
+        </p:nvSpPr>
+        <p:spPr/>
+        <p:txBody>
+          <a:bodyPr/>
+          <a:lstStyle/>
+          <a:p>
+            <a:r>
+              <a:rPr lang="en-US" altLang="zh-CN" dirty="0"/>
+              <a:t>3.</a:t>
+            </a:r>
+            <a:r>
+              <a:rPr lang="zh-CN" altLang="en-US" dirty="0"/>
+              <a:t> </a:t>
+            </a:r>
+            <a:r>
+              <a:rPr lang="en-US" altLang="zh-CN" dirty="0"/>
+              <a:t>Approach</a:t>
+            </a:r>
+            <a:endParaRPr lang="en-US" dirty="0"/>
+          </a:p>
+        </p:txBody>
+      </p:sp>
+      <p:sp>
+        <p:nvSpPr>
+          <p:cNvPr id="3" name="Content Placeholder 2">
+            <a:extLst>
+              <a:ext uri="{FF2B5EF4-FFF2-40B4-BE49-F238E27FC236}">
+                <a16:creationId xmlns:a16="http://schemas.microsoft.com/office/drawing/2014/main" id="{DD3E1039-3369-474B-8021-D99013174B8F}"/>
+              </a:ext>
+            </a:extLst>
+          </p:cNvPr>
+          <p:cNvSpPr>
+            <a:spLocks noGrp="1"/>
+          </p:cNvSpPr>
+          <p:nvPr>
+            <p:ph idx="1"/>
+          </p:nvPr>
+        </p:nvSpPr>
+        <p:spPr/>
+        <p:txBody>
+          <a:bodyPr/>
+          <a:lstStyle/>
+          <a:p>
+            <a:r>
+              <a:rPr lang="en-US" altLang="zh-CN" dirty="0"/>
+              <a:t>3</a:t>
+            </a:r>
+            <a:r>
+              <a:rPr lang="en-US" dirty="0"/>
+              <a:t>. </a:t>
+            </a:r>
+            <a:r>
+              <a:rPr lang="en-CA" dirty="0"/>
+              <a:t>Global user-item relatedness</a:t>
+            </a:r>
+          </a:p>
+          <a:p>
+            <a:pPr lvl="1"/>
+            <a:r>
+              <a:rPr lang="ja-JP" altLang="en-US"/>
+              <a:t>对于每个用户项对，我们现在能够计算所有属性指定的相关度得分</a:t>
+            </a:r>
+            <a:r>
+              <a:rPr lang="zh-CN" altLang="en-US" dirty="0"/>
+              <a:t>， 我们的目标是将这些分数作为一个</a:t>
+            </a:r>
+            <a:r>
+              <a:rPr lang="en-CA" dirty="0"/>
+              <a:t>global user-item relatedness</a:t>
+            </a:r>
+            <a:r>
+              <a:rPr lang="zh-CN" altLang="en-US" dirty="0"/>
+              <a:t>模型的</a:t>
+            </a:r>
+            <a:r>
+              <a:rPr lang="en-US" altLang="zh-CN" dirty="0"/>
+              <a:t>feature</a:t>
+            </a:r>
+            <a:r>
+              <a:rPr lang="zh-CN" altLang="en-US" dirty="0"/>
+              <a:t>，</a:t>
+            </a:r>
+            <a:r>
+              <a:rPr lang="ja-JP" altLang="en-US"/>
+              <a:t>因此</a:t>
+            </a:r>
+            <a:r>
+              <a:rPr lang="zh-CN" altLang="en-US" dirty="0"/>
+              <a:t>模型可用于提供项目推荐。其核心思想是将优化前</a:t>
+            </a:r>
+            <a:r>
+              <a:rPr lang="en-CA" altLang="zh-CN" dirty="0"/>
+              <a:t>N</a:t>
+            </a:r>
+            <a:r>
+              <a:rPr lang="zh-CN" altLang="en-US" dirty="0"/>
+              <a:t>项推荐的参数作为一个有监督的学习排序问题。</a:t>
+            </a:r>
+            <a:endParaRPr lang="en-CA" altLang="zh-CN" dirty="0"/>
+          </a:p>
+          <a:p>
+            <a:pPr lvl="1"/>
+            <a:endParaRPr lang="en-US" dirty="0"/>
+          </a:p>
+        </p:txBody>
+      </p:sp>
+    </p:spTree>
+    <p:extLst>
+      <p:ext uri="{BB962C8B-B14F-4D97-AF65-F5344CB8AC3E}">
+        <p14:creationId xmlns:p14="http://schemas.microsoft.com/office/powerpoint/2010/main" val="878670842"/>
       </p:ext>
     </p:extLst>
   </p:cSld>
